--- a/画像処理.pptx
+++ b/画像処理.pptx
@@ -23,7 +23,8 @@
     <p:sldId id="274" r:id="rId17"/>
     <p:sldId id="273" r:id="rId18"/>
     <p:sldId id="275" r:id="rId19"/>
-    <p:sldId id="261" r:id="rId20"/>
+    <p:sldId id="276" r:id="rId20"/>
+    <p:sldId id="261" r:id="rId21"/>
   </p:sldIdLst>
   <p:sldSz cx="9144000" cy="6858000" type="screen4x3"/>
   <p:notesSz cx="6858000" cy="9144000"/>
@@ -261,7 +262,7 @@
           <a:p>
             <a:fld id="{4B7F2210-E08F-498E-9BBC-96DBE3870136}" type="datetimeFigureOut">
               <a:rPr kumimoji="1" lang="ja-JP" altLang="en-US" smtClean="0"/>
-              <a:t>2020/8/19</a:t>
+              <a:t>2021/3/22</a:t>
             </a:fld>
             <a:endParaRPr kumimoji="1" lang="ja-JP" altLang="en-US"/>
           </a:p>
@@ -463,7 +464,7 @@
           <a:p>
             <a:fld id="{4B7F2210-E08F-498E-9BBC-96DBE3870136}" type="datetimeFigureOut">
               <a:rPr kumimoji="1" lang="ja-JP" altLang="en-US" smtClean="0"/>
-              <a:t>2020/8/19</a:t>
+              <a:t>2021/3/22</a:t>
             </a:fld>
             <a:endParaRPr kumimoji="1" lang="ja-JP" altLang="en-US"/>
           </a:p>
@@ -675,7 +676,7 @@
           <a:p>
             <a:fld id="{4B7F2210-E08F-498E-9BBC-96DBE3870136}" type="datetimeFigureOut">
               <a:rPr kumimoji="1" lang="ja-JP" altLang="en-US" smtClean="0"/>
-              <a:t>2020/8/19</a:t>
+              <a:t>2021/3/22</a:t>
             </a:fld>
             <a:endParaRPr kumimoji="1" lang="ja-JP" altLang="en-US"/>
           </a:p>
@@ -877,7 +878,7 @@
           <a:p>
             <a:fld id="{4B7F2210-E08F-498E-9BBC-96DBE3870136}" type="datetimeFigureOut">
               <a:rPr kumimoji="1" lang="ja-JP" altLang="en-US" smtClean="0"/>
-              <a:t>2020/8/19</a:t>
+              <a:t>2021/3/22</a:t>
             </a:fld>
             <a:endParaRPr kumimoji="1" lang="ja-JP" altLang="en-US"/>
           </a:p>
@@ -1121,7 +1122,7 @@
           <a:p>
             <a:fld id="{4B7F2210-E08F-498E-9BBC-96DBE3870136}" type="datetimeFigureOut">
               <a:rPr kumimoji="1" lang="ja-JP" altLang="en-US" smtClean="0"/>
-              <a:t>2020/8/19</a:t>
+              <a:t>2021/3/22</a:t>
             </a:fld>
             <a:endParaRPr kumimoji="1" lang="ja-JP" altLang="en-US"/>
           </a:p>
@@ -1417,7 +1418,7 @@
           <a:p>
             <a:fld id="{4B7F2210-E08F-498E-9BBC-96DBE3870136}" type="datetimeFigureOut">
               <a:rPr kumimoji="1" lang="ja-JP" altLang="en-US" smtClean="0"/>
-              <a:t>2020/8/19</a:t>
+              <a:t>2021/3/22</a:t>
             </a:fld>
             <a:endParaRPr kumimoji="1" lang="ja-JP" altLang="en-US"/>
           </a:p>
@@ -1848,7 +1849,7 @@
           <a:p>
             <a:fld id="{4B7F2210-E08F-498E-9BBC-96DBE3870136}" type="datetimeFigureOut">
               <a:rPr kumimoji="1" lang="ja-JP" altLang="en-US" smtClean="0"/>
-              <a:t>2020/8/19</a:t>
+              <a:t>2021/3/22</a:t>
             </a:fld>
             <a:endParaRPr kumimoji="1" lang="ja-JP" altLang="en-US"/>
           </a:p>
@@ -1966,7 +1967,7 @@
           <a:p>
             <a:fld id="{4B7F2210-E08F-498E-9BBC-96DBE3870136}" type="datetimeFigureOut">
               <a:rPr kumimoji="1" lang="ja-JP" altLang="en-US" smtClean="0"/>
-              <a:t>2020/8/19</a:t>
+              <a:t>2021/3/22</a:t>
             </a:fld>
             <a:endParaRPr kumimoji="1" lang="ja-JP" altLang="en-US"/>
           </a:p>
@@ -2061,7 +2062,7 @@
           <a:p>
             <a:fld id="{4B7F2210-E08F-498E-9BBC-96DBE3870136}" type="datetimeFigureOut">
               <a:rPr kumimoji="1" lang="ja-JP" altLang="en-US" smtClean="0"/>
-              <a:t>2020/8/19</a:t>
+              <a:t>2021/3/22</a:t>
             </a:fld>
             <a:endParaRPr kumimoji="1" lang="ja-JP" altLang="en-US"/>
           </a:p>
@@ -2370,7 +2371,7 @@
           <a:p>
             <a:fld id="{4B7F2210-E08F-498E-9BBC-96DBE3870136}" type="datetimeFigureOut">
               <a:rPr kumimoji="1" lang="ja-JP" altLang="en-US" smtClean="0"/>
-              <a:t>2020/8/19</a:t>
+              <a:t>2021/3/22</a:t>
             </a:fld>
             <a:endParaRPr kumimoji="1" lang="ja-JP" altLang="en-US"/>
           </a:p>
@@ -2627,7 +2628,7 @@
           <a:p>
             <a:fld id="{4B7F2210-E08F-498E-9BBC-96DBE3870136}" type="datetimeFigureOut">
               <a:rPr kumimoji="1" lang="ja-JP" altLang="en-US" smtClean="0"/>
-              <a:t>2020/8/19</a:t>
+              <a:t>2021/3/22</a:t>
             </a:fld>
             <a:endParaRPr kumimoji="1" lang="ja-JP" altLang="en-US"/>
           </a:p>
@@ -2692,7 +2693,7 @@
 <p:sldMaster xmlns:a="http://schemas.openxmlformats.org/drawingml/2006/main" xmlns:r="http://schemas.openxmlformats.org/officeDocument/2006/relationships" xmlns:p="http://schemas.openxmlformats.org/presentationml/2006/main">
   <p:cSld>
     <p:bg>
-      <p:bgRef idx="1001">
+      <p:bgRef idx="1002">
         <a:schemeClr val="bg1"/>
       </p:bgRef>
     </p:bg>
@@ -2872,7 +2873,7 @@
           <a:p>
             <a:fld id="{4B7F2210-E08F-498E-9BBC-96DBE3870136}" type="datetimeFigureOut">
               <a:rPr kumimoji="1" lang="ja-JP" altLang="en-US" smtClean="0"/>
-              <a:t>2020/8/19</a:t>
+              <a:t>2021/3/22</a:t>
             </a:fld>
             <a:endParaRPr kumimoji="1" lang="ja-JP" altLang="en-US"/>
           </a:p>
@@ -11164,11 +11165,11 @@
           <a:p>
             <a:r>
               <a:rPr kumimoji="1" lang="en-US" altLang="ja-JP" sz="2800" u="sng" dirty="0"/>
-              <a:t>6. </a:t>
+              <a:t>6.1. </a:t>
             </a:r>
             <a:r>
               <a:rPr kumimoji="1" lang="ja-JP" altLang="en-US" sz="2800" u="sng" dirty="0"/>
-              <a:t>二値化処理</a:t>
+              <a:t>閾値について</a:t>
             </a:r>
           </a:p>
         </p:txBody>
@@ -12046,6 +12047,1774 @@
           <a:chExt cx="0" cy="0"/>
         </a:xfrm>
       </p:grpSpPr>
+      <p:cxnSp>
+        <p:nvCxnSpPr>
+          <p:cNvPr id="85" name="直線矢印コネクタ 84">
+            <a:extLst>
+              <a:ext uri="{FF2B5EF4-FFF2-40B4-BE49-F238E27FC236}">
+                <a16:creationId xmlns:a16="http://schemas.microsoft.com/office/drawing/2014/main" id="{9118F8C2-4A62-423E-A9B2-33808B9D3E71}"/>
+              </a:ext>
+            </a:extLst>
+          </p:cNvPr>
+          <p:cNvCxnSpPr>
+            <a:cxnSpLocks/>
+            <a:stCxn id="43" idx="3"/>
+          </p:cNvCxnSpPr>
+          <p:nvPr/>
+        </p:nvCxnSpPr>
+        <p:spPr>
+          <a:xfrm>
+            <a:off x="3412401" y="1880042"/>
+            <a:ext cx="3880928" cy="2833093"/>
+          </a:xfrm>
+          <a:prstGeom prst="straightConnector1">
+            <a:avLst/>
+          </a:prstGeom>
+          <a:ln w="38100">
+            <a:solidFill>
+              <a:schemeClr val="accent1">
+                <a:lumMod val="75000"/>
+              </a:schemeClr>
+            </a:solidFill>
+            <a:prstDash val="sysDot"/>
+            <a:headEnd type="none" w="med" len="med"/>
+            <a:tailEnd type="arrow" w="med" len="med"/>
+          </a:ln>
+        </p:spPr>
+        <p:style>
+          <a:lnRef idx="1">
+            <a:schemeClr val="accent1"/>
+          </a:lnRef>
+          <a:fillRef idx="0">
+            <a:schemeClr val="accent1"/>
+          </a:fillRef>
+          <a:effectRef idx="0">
+            <a:schemeClr val="accent1"/>
+          </a:effectRef>
+          <a:fontRef idx="minor">
+            <a:schemeClr val="tx1"/>
+          </a:fontRef>
+        </p:style>
+      </p:cxnSp>
+      <p:cxnSp>
+        <p:nvCxnSpPr>
+          <p:cNvPr id="88" name="直線矢印コネクタ 87">
+            <a:extLst>
+              <a:ext uri="{FF2B5EF4-FFF2-40B4-BE49-F238E27FC236}">
+                <a16:creationId xmlns:a16="http://schemas.microsoft.com/office/drawing/2014/main" id="{E413F01D-CAF2-4A70-A077-7B6339469981}"/>
+              </a:ext>
+            </a:extLst>
+          </p:cNvPr>
+          <p:cNvCxnSpPr>
+            <a:cxnSpLocks/>
+            <a:stCxn id="47" idx="3"/>
+          </p:cNvCxnSpPr>
+          <p:nvPr/>
+        </p:nvCxnSpPr>
+        <p:spPr>
+          <a:xfrm>
+            <a:off x="3412401" y="3683724"/>
+            <a:ext cx="3802108" cy="1225125"/>
+          </a:xfrm>
+          <a:prstGeom prst="straightConnector1">
+            <a:avLst/>
+          </a:prstGeom>
+          <a:ln w="38100">
+            <a:solidFill>
+              <a:schemeClr val="accent1">
+                <a:lumMod val="75000"/>
+              </a:schemeClr>
+            </a:solidFill>
+            <a:prstDash val="sysDot"/>
+            <a:headEnd type="none" w="med" len="med"/>
+            <a:tailEnd type="arrow" w="med" len="med"/>
+          </a:ln>
+        </p:spPr>
+        <p:style>
+          <a:lnRef idx="1">
+            <a:schemeClr val="accent1"/>
+          </a:lnRef>
+          <a:fillRef idx="0">
+            <a:schemeClr val="accent1"/>
+          </a:fillRef>
+          <a:effectRef idx="0">
+            <a:schemeClr val="accent1"/>
+          </a:effectRef>
+          <a:fontRef idx="minor">
+            <a:schemeClr val="tx1"/>
+          </a:fontRef>
+        </p:style>
+      </p:cxnSp>
+      <p:cxnSp>
+        <p:nvCxnSpPr>
+          <p:cNvPr id="91" name="直線矢印コネクタ 90">
+            <a:extLst>
+              <a:ext uri="{FF2B5EF4-FFF2-40B4-BE49-F238E27FC236}">
+                <a16:creationId xmlns:a16="http://schemas.microsoft.com/office/drawing/2014/main" id="{1DABE478-C28F-4ACC-B5B5-45025991A961}"/>
+              </a:ext>
+            </a:extLst>
+          </p:cNvPr>
+          <p:cNvCxnSpPr>
+            <a:cxnSpLocks/>
+            <a:stCxn id="51" idx="3"/>
+          </p:cNvCxnSpPr>
+          <p:nvPr/>
+        </p:nvCxnSpPr>
+        <p:spPr>
+          <a:xfrm flipV="1">
+            <a:off x="3441086" y="5078342"/>
+            <a:ext cx="3742965" cy="409064"/>
+          </a:xfrm>
+          <a:prstGeom prst="straightConnector1">
+            <a:avLst/>
+          </a:prstGeom>
+          <a:ln w="38100">
+            <a:solidFill>
+              <a:schemeClr val="accent1">
+                <a:lumMod val="75000"/>
+              </a:schemeClr>
+            </a:solidFill>
+            <a:prstDash val="sysDot"/>
+            <a:headEnd type="none" w="med" len="med"/>
+            <a:tailEnd type="arrow" w="med" len="med"/>
+          </a:ln>
+        </p:spPr>
+        <p:style>
+          <a:lnRef idx="1">
+            <a:schemeClr val="accent1"/>
+          </a:lnRef>
+          <a:fillRef idx="0">
+            <a:schemeClr val="accent1"/>
+          </a:fillRef>
+          <a:effectRef idx="0">
+            <a:schemeClr val="accent1"/>
+          </a:effectRef>
+          <a:fontRef idx="minor">
+            <a:schemeClr val="tx1"/>
+          </a:fontRef>
+        </p:style>
+      </p:cxnSp>
+      <p:cxnSp>
+        <p:nvCxnSpPr>
+          <p:cNvPr id="73" name="直線矢印コネクタ 72">
+            <a:extLst>
+              <a:ext uri="{FF2B5EF4-FFF2-40B4-BE49-F238E27FC236}">
+                <a16:creationId xmlns:a16="http://schemas.microsoft.com/office/drawing/2014/main" id="{8295889B-DA7F-4853-9BB6-9E143775A3FD}"/>
+              </a:ext>
+            </a:extLst>
+          </p:cNvPr>
+          <p:cNvCxnSpPr>
+            <a:cxnSpLocks/>
+            <a:endCxn id="67" idx="1"/>
+          </p:cNvCxnSpPr>
+          <p:nvPr/>
+        </p:nvCxnSpPr>
+        <p:spPr>
+          <a:xfrm flipV="1">
+            <a:off x="3727048" y="1223684"/>
+            <a:ext cx="3627997" cy="611303"/>
+          </a:xfrm>
+          <a:prstGeom prst="straightConnector1">
+            <a:avLst/>
+          </a:prstGeom>
+          <a:ln w="38100">
+            <a:solidFill>
+              <a:schemeClr val="accent1">
+                <a:lumMod val="75000"/>
+              </a:schemeClr>
+            </a:solidFill>
+            <a:headEnd type="none" w="med" len="med"/>
+            <a:tailEnd type="arrow" w="med" len="med"/>
+          </a:ln>
+        </p:spPr>
+        <p:style>
+          <a:lnRef idx="1">
+            <a:schemeClr val="accent1"/>
+          </a:lnRef>
+          <a:fillRef idx="0">
+            <a:schemeClr val="accent1"/>
+          </a:fillRef>
+          <a:effectRef idx="0">
+            <a:schemeClr val="accent1"/>
+          </a:effectRef>
+          <a:fontRef idx="minor">
+            <a:schemeClr val="tx1"/>
+          </a:fontRef>
+        </p:style>
+      </p:cxnSp>
+      <p:sp>
+        <p:nvSpPr>
+          <p:cNvPr id="2" name="テキスト ボックス 1">
+            <a:extLst>
+              <a:ext uri="{FF2B5EF4-FFF2-40B4-BE49-F238E27FC236}">
+                <a16:creationId xmlns:a16="http://schemas.microsoft.com/office/drawing/2014/main" id="{C6F54582-5FE5-408A-87D1-28EBD5FF063C}"/>
+              </a:ext>
+            </a:extLst>
+          </p:cNvPr>
+          <p:cNvSpPr txBox="1"/>
+          <p:nvPr/>
+        </p:nvSpPr>
+        <p:spPr>
+          <a:xfrm>
+            <a:off x="266699" y="381000"/>
+            <a:ext cx="6285103" cy="523220"/>
+          </a:xfrm>
+          <a:prstGeom prst="rect">
+            <a:avLst/>
+          </a:prstGeom>
+          <a:noFill/>
+        </p:spPr>
+        <p:txBody>
+          <a:bodyPr wrap="square" rtlCol="0">
+            <a:spAutoFit/>
+          </a:bodyPr>
+          <a:lstStyle/>
+          <a:p>
+            <a:r>
+              <a:rPr kumimoji="1" lang="en-US" altLang="ja-JP" sz="2800" u="sng" dirty="0"/>
+              <a:t>6.2. 2</a:t>
+            </a:r>
+            <a:r>
+              <a:rPr kumimoji="1" lang="ja-JP" altLang="en-US" sz="2800" u="sng" dirty="0"/>
+              <a:t>つの閾値を用いた二値化法</a:t>
+            </a:r>
+          </a:p>
+        </p:txBody>
+      </p:sp>
+      <p:sp>
+        <p:nvSpPr>
+          <p:cNvPr id="14" name="テキスト ボックス 13">
+            <a:extLst>
+              <a:ext uri="{FF2B5EF4-FFF2-40B4-BE49-F238E27FC236}">
+                <a16:creationId xmlns:a16="http://schemas.microsoft.com/office/drawing/2014/main" id="{F1A49286-B2E6-4A35-BE80-8E19E68F70D0}"/>
+              </a:ext>
+            </a:extLst>
+          </p:cNvPr>
+          <p:cNvSpPr txBox="1"/>
+          <p:nvPr/>
+        </p:nvSpPr>
+        <p:spPr>
+          <a:xfrm>
+            <a:off x="311191" y="4286452"/>
+            <a:ext cx="917239" cy="369332"/>
+          </a:xfrm>
+          <a:prstGeom prst="rect">
+            <a:avLst/>
+          </a:prstGeom>
+          <a:noFill/>
+        </p:spPr>
+        <p:txBody>
+          <a:bodyPr wrap="none" rtlCol="0">
+            <a:spAutoFit/>
+          </a:bodyPr>
+          <a:lstStyle/>
+          <a:p>
+            <a:r>
+              <a:rPr kumimoji="1" lang="en-US" altLang="ja-JP" dirty="0"/>
+              <a:t>Original</a:t>
+            </a:r>
+            <a:endParaRPr kumimoji="1" lang="ja-JP" altLang="en-US" dirty="0"/>
+          </a:p>
+        </p:txBody>
+      </p:sp>
+      <p:sp>
+        <p:nvSpPr>
+          <p:cNvPr id="17" name="テキスト ボックス 16">
+            <a:extLst>
+              <a:ext uri="{FF2B5EF4-FFF2-40B4-BE49-F238E27FC236}">
+                <a16:creationId xmlns:a16="http://schemas.microsoft.com/office/drawing/2014/main" id="{9568E1CB-81AA-4D4F-B5D9-47A37F0E3140}"/>
+              </a:ext>
+            </a:extLst>
+          </p:cNvPr>
+          <p:cNvSpPr txBox="1"/>
+          <p:nvPr/>
+        </p:nvSpPr>
+        <p:spPr>
+          <a:xfrm>
+            <a:off x="1740503" y="905932"/>
+            <a:ext cx="2190215" cy="369332"/>
+          </a:xfrm>
+          <a:prstGeom prst="rect">
+            <a:avLst/>
+          </a:prstGeom>
+          <a:noFill/>
+        </p:spPr>
+        <p:txBody>
+          <a:bodyPr wrap="none" rtlCol="0">
+            <a:spAutoFit/>
+          </a:bodyPr>
+          <a:lstStyle/>
+          <a:p>
+            <a:r>
+              <a:rPr kumimoji="1" lang="en-US" altLang="ja-JP" dirty="0"/>
+              <a:t>Upper threshold=200</a:t>
+            </a:r>
+            <a:endParaRPr kumimoji="1" lang="ja-JP" altLang="en-US" dirty="0"/>
+          </a:p>
+        </p:txBody>
+      </p:sp>
+      <p:pic>
+        <p:nvPicPr>
+          <p:cNvPr id="4" name="図 3" descr="帽子を被っている女性&#10;&#10;自動的に生成された説明">
+            <a:extLst>
+              <a:ext uri="{FF2B5EF4-FFF2-40B4-BE49-F238E27FC236}">
+                <a16:creationId xmlns:a16="http://schemas.microsoft.com/office/drawing/2014/main" id="{23A6F6BC-59EE-4772-92EE-8B5631413B72}"/>
+              </a:ext>
+            </a:extLst>
+          </p:cNvPr>
+          <p:cNvPicPr>
+            <a:picLocks noChangeAspect="1"/>
+          </p:cNvPicPr>
+          <p:nvPr/>
+        </p:nvPicPr>
+        <p:blipFill>
+          <a:blip r:embed="rId2">
+            <a:extLst>
+              <a:ext uri="{28A0092B-C50C-407E-A947-70E740481C1C}">
+                <a14:useLocalDpi xmlns:a14="http://schemas.microsoft.com/office/drawing/2010/main" val="0"/>
+              </a:ext>
+            </a:extLst>
+          </a:blip>
+          <a:stretch>
+            <a:fillRect/>
+          </a:stretch>
+        </p:blipFill>
+        <p:spPr>
+          <a:xfrm>
+            <a:off x="126398" y="2999626"/>
+            <a:ext cx="1286826" cy="1286826"/>
+          </a:xfrm>
+          <a:prstGeom prst="rect">
+            <a:avLst/>
+          </a:prstGeom>
+        </p:spPr>
+      </p:pic>
+      <p:sp>
+        <p:nvSpPr>
+          <p:cNvPr id="27" name="テキスト ボックス 26">
+            <a:extLst>
+              <a:ext uri="{FF2B5EF4-FFF2-40B4-BE49-F238E27FC236}">
+                <a16:creationId xmlns:a16="http://schemas.microsoft.com/office/drawing/2014/main" id="{7C968CA4-9B14-489F-A26D-0E0B64C4BC69}"/>
+              </a:ext>
+            </a:extLst>
+          </p:cNvPr>
+          <p:cNvSpPr txBox="1"/>
+          <p:nvPr/>
+        </p:nvSpPr>
+        <p:spPr>
+          <a:xfrm>
+            <a:off x="4037662" y="905932"/>
+            <a:ext cx="3073727" cy="369332"/>
+          </a:xfrm>
+          <a:prstGeom prst="rect">
+            <a:avLst/>
+          </a:prstGeom>
+          <a:noFill/>
+        </p:spPr>
+        <p:txBody>
+          <a:bodyPr wrap="none" rtlCol="0">
+            <a:spAutoFit/>
+          </a:bodyPr>
+          <a:lstStyle/>
+          <a:p>
+            <a:r>
+              <a:rPr kumimoji="1" lang="en-US" altLang="ja-JP" dirty="0"/>
+              <a:t>lower threshold=150 &amp; bitwise</a:t>
+            </a:r>
+            <a:endParaRPr kumimoji="1" lang="ja-JP" altLang="en-US" dirty="0"/>
+          </a:p>
+        </p:txBody>
+      </p:sp>
+      <p:pic>
+        <p:nvPicPr>
+          <p:cNvPr id="43" name="図 42" descr="ロゴ&#10;&#10;自動的に生成された説明">
+            <a:extLst>
+              <a:ext uri="{FF2B5EF4-FFF2-40B4-BE49-F238E27FC236}">
+                <a16:creationId xmlns:a16="http://schemas.microsoft.com/office/drawing/2014/main" id="{2CA2354E-23D4-4358-81C9-FC26B196BCD9}"/>
+              </a:ext>
+            </a:extLst>
+          </p:cNvPr>
+          <p:cNvPicPr>
+            <a:picLocks noChangeAspect="1"/>
+          </p:cNvPicPr>
+          <p:nvPr/>
+        </p:nvPicPr>
+        <p:blipFill>
+          <a:blip r:embed="rId3">
+            <a:extLst>
+              <a:ext uri="{28A0092B-C50C-407E-A947-70E740481C1C}">
+                <a14:useLocalDpi xmlns:a14="http://schemas.microsoft.com/office/drawing/2010/main" val="0"/>
+              </a:ext>
+            </a:extLst>
+          </a:blip>
+          <a:stretch>
+            <a:fillRect/>
+          </a:stretch>
+        </p:blipFill>
+        <p:spPr>
+          <a:xfrm>
+            <a:off x="2202846" y="1275264"/>
+            <a:ext cx="1209555" cy="1209555"/>
+          </a:xfrm>
+          <a:prstGeom prst="rect">
+            <a:avLst/>
+          </a:prstGeom>
+        </p:spPr>
+      </p:pic>
+      <p:pic>
+        <p:nvPicPr>
+          <p:cNvPr id="45" name="図 44">
+            <a:extLst>
+              <a:ext uri="{FF2B5EF4-FFF2-40B4-BE49-F238E27FC236}">
+                <a16:creationId xmlns:a16="http://schemas.microsoft.com/office/drawing/2014/main" id="{1F32E5BA-ADA7-4B5B-A049-3D0AE13837B7}"/>
+              </a:ext>
+            </a:extLst>
+          </p:cNvPr>
+          <p:cNvPicPr>
+            <a:picLocks noChangeAspect="1"/>
+          </p:cNvPicPr>
+          <p:nvPr/>
+        </p:nvPicPr>
+        <p:blipFill>
+          <a:blip r:embed="rId4">
+            <a:extLst>
+              <a:ext uri="{28A0092B-C50C-407E-A947-70E740481C1C}">
+                <a14:useLocalDpi xmlns:a14="http://schemas.microsoft.com/office/drawing/2010/main" val="0"/>
+              </a:ext>
+            </a:extLst>
+          </a:blip>
+          <a:stretch>
+            <a:fillRect/>
+          </a:stretch>
+        </p:blipFill>
+        <p:spPr>
+          <a:xfrm>
+            <a:off x="4845435" y="1282120"/>
+            <a:ext cx="1209555" cy="1209555"/>
+          </a:xfrm>
+          <a:prstGeom prst="rect">
+            <a:avLst/>
+          </a:prstGeom>
+        </p:spPr>
+      </p:pic>
+      <p:pic>
+        <p:nvPicPr>
+          <p:cNvPr id="47" name="図 46" descr="花火のcg&#10;&#10;自動的に生成された説明">
+            <a:extLst>
+              <a:ext uri="{FF2B5EF4-FFF2-40B4-BE49-F238E27FC236}">
+                <a16:creationId xmlns:a16="http://schemas.microsoft.com/office/drawing/2014/main" id="{A40D6AA7-9E36-49EE-A825-D99F2886B77A}"/>
+              </a:ext>
+            </a:extLst>
+          </p:cNvPr>
+          <p:cNvPicPr>
+            <a:picLocks noChangeAspect="1"/>
+          </p:cNvPicPr>
+          <p:nvPr/>
+        </p:nvPicPr>
+        <p:blipFill>
+          <a:blip r:embed="rId5">
+            <a:extLst>
+              <a:ext uri="{28A0092B-C50C-407E-A947-70E740481C1C}">
+                <a14:useLocalDpi xmlns:a14="http://schemas.microsoft.com/office/drawing/2010/main" val="0"/>
+              </a:ext>
+            </a:extLst>
+          </a:blip>
+          <a:stretch>
+            <a:fillRect/>
+          </a:stretch>
+        </p:blipFill>
+        <p:spPr>
+          <a:xfrm>
+            <a:off x="2202846" y="3078946"/>
+            <a:ext cx="1209555" cy="1209555"/>
+          </a:xfrm>
+          <a:prstGeom prst="rect">
+            <a:avLst/>
+          </a:prstGeom>
+        </p:spPr>
+      </p:pic>
+      <p:pic>
+        <p:nvPicPr>
+          <p:cNvPr id="49" name="図 48" descr="抽象, 屋外, 群れ, 鳥 が含まれている画像&#10;&#10;自動的に生成された説明">
+            <a:extLst>
+              <a:ext uri="{FF2B5EF4-FFF2-40B4-BE49-F238E27FC236}">
+                <a16:creationId xmlns:a16="http://schemas.microsoft.com/office/drawing/2014/main" id="{8119D96C-44F5-4961-B314-75651114A312}"/>
+              </a:ext>
+            </a:extLst>
+          </p:cNvPr>
+          <p:cNvPicPr>
+            <a:picLocks noChangeAspect="1"/>
+          </p:cNvPicPr>
+          <p:nvPr/>
+        </p:nvPicPr>
+        <p:blipFill>
+          <a:blip r:embed="rId6">
+            <a:extLst>
+              <a:ext uri="{28A0092B-C50C-407E-A947-70E740481C1C}">
+                <a14:useLocalDpi xmlns:a14="http://schemas.microsoft.com/office/drawing/2010/main" val="0"/>
+              </a:ext>
+            </a:extLst>
+          </a:blip>
+          <a:stretch>
+            <a:fillRect/>
+          </a:stretch>
+        </p:blipFill>
+        <p:spPr>
+          <a:xfrm>
+            <a:off x="4845436" y="3078945"/>
+            <a:ext cx="1209555" cy="1209555"/>
+          </a:xfrm>
+          <a:prstGeom prst="rect">
+            <a:avLst/>
+          </a:prstGeom>
+        </p:spPr>
+      </p:pic>
+      <p:pic>
+        <p:nvPicPr>
+          <p:cNvPr id="51" name="図 50" descr="花火のcg&#10;&#10;自動的に生成された説明">
+            <a:extLst>
+              <a:ext uri="{FF2B5EF4-FFF2-40B4-BE49-F238E27FC236}">
+                <a16:creationId xmlns:a16="http://schemas.microsoft.com/office/drawing/2014/main" id="{3B46127A-3DE6-4B76-9ED8-2793E247B7D6}"/>
+              </a:ext>
+            </a:extLst>
+          </p:cNvPr>
+          <p:cNvPicPr>
+            <a:picLocks noChangeAspect="1"/>
+          </p:cNvPicPr>
+          <p:nvPr/>
+        </p:nvPicPr>
+        <p:blipFill>
+          <a:blip r:embed="rId7">
+            <a:extLst>
+              <a:ext uri="{28A0092B-C50C-407E-A947-70E740481C1C}">
+                <a14:useLocalDpi xmlns:a14="http://schemas.microsoft.com/office/drawing/2010/main" val="0"/>
+              </a:ext>
+            </a:extLst>
+          </a:blip>
+          <a:stretch>
+            <a:fillRect/>
+          </a:stretch>
+        </p:blipFill>
+        <p:spPr>
+          <a:xfrm>
+            <a:off x="2231531" y="4882628"/>
+            <a:ext cx="1209555" cy="1209555"/>
+          </a:xfrm>
+          <a:prstGeom prst="rect">
+            <a:avLst/>
+          </a:prstGeom>
+        </p:spPr>
+      </p:pic>
+      <p:pic>
+        <p:nvPicPr>
+          <p:cNvPr id="53" name="図 52" descr="木の枝に止まっている鳥のシルエット&#10;&#10;自動的に生成された説明">
+            <a:extLst>
+              <a:ext uri="{FF2B5EF4-FFF2-40B4-BE49-F238E27FC236}">
+                <a16:creationId xmlns:a16="http://schemas.microsoft.com/office/drawing/2014/main" id="{3DCAAFF5-AA79-4C9C-B8EA-523647C213EB}"/>
+              </a:ext>
+            </a:extLst>
+          </p:cNvPr>
+          <p:cNvPicPr>
+            <a:picLocks noChangeAspect="1"/>
+          </p:cNvPicPr>
+          <p:nvPr/>
+        </p:nvPicPr>
+        <p:blipFill>
+          <a:blip r:embed="rId8">
+            <a:extLst>
+              <a:ext uri="{28A0092B-C50C-407E-A947-70E740481C1C}">
+                <a14:useLocalDpi xmlns:a14="http://schemas.microsoft.com/office/drawing/2010/main" val="0"/>
+              </a:ext>
+            </a:extLst>
+          </a:blip>
+          <a:stretch>
+            <a:fillRect/>
+          </a:stretch>
+        </p:blipFill>
+        <p:spPr>
+          <a:xfrm>
+            <a:off x="4845437" y="4882628"/>
+            <a:ext cx="1209555" cy="1209555"/>
+          </a:xfrm>
+          <a:prstGeom prst="rect">
+            <a:avLst/>
+          </a:prstGeom>
+        </p:spPr>
+      </p:pic>
+      <p:pic>
+        <p:nvPicPr>
+          <p:cNvPr id="55" name="図 54" descr="ロゴ&#10;&#10;中程度の精度で自動的に生成された説明">
+            <a:extLst>
+              <a:ext uri="{FF2B5EF4-FFF2-40B4-BE49-F238E27FC236}">
+                <a16:creationId xmlns:a16="http://schemas.microsoft.com/office/drawing/2014/main" id="{07568BDC-CAD1-464D-B845-771054307FFB}"/>
+              </a:ext>
+            </a:extLst>
+          </p:cNvPr>
+          <p:cNvPicPr>
+            <a:picLocks noChangeAspect="1"/>
+          </p:cNvPicPr>
+          <p:nvPr/>
+        </p:nvPicPr>
+        <p:blipFill>
+          <a:blip r:embed="rId9">
+            <a:extLst>
+              <a:ext uri="{28A0092B-C50C-407E-A947-70E740481C1C}">
+                <a14:useLocalDpi xmlns:a14="http://schemas.microsoft.com/office/drawing/2010/main" val="0"/>
+              </a:ext>
+            </a:extLst>
+          </a:blip>
+          <a:stretch>
+            <a:fillRect/>
+          </a:stretch>
+        </p:blipFill>
+        <p:spPr>
+          <a:xfrm>
+            <a:off x="7906271" y="705963"/>
+            <a:ext cx="971030" cy="971030"/>
+          </a:xfrm>
+          <a:prstGeom prst="rect">
+            <a:avLst/>
+          </a:prstGeom>
+        </p:spPr>
+      </p:pic>
+      <p:pic>
+        <p:nvPicPr>
+          <p:cNvPr id="57" name="図 56" descr="図形&#10;&#10;低い精度で自動的に生成された説明">
+            <a:extLst>
+              <a:ext uri="{FF2B5EF4-FFF2-40B4-BE49-F238E27FC236}">
+                <a16:creationId xmlns:a16="http://schemas.microsoft.com/office/drawing/2014/main" id="{C6097FCF-3FDF-412F-999F-AEFEAE5E8872}"/>
+              </a:ext>
+            </a:extLst>
+          </p:cNvPr>
+          <p:cNvPicPr>
+            <a:picLocks noChangeAspect="1"/>
+          </p:cNvPicPr>
+          <p:nvPr/>
+        </p:nvPicPr>
+        <p:blipFill>
+          <a:blip r:embed="rId10">
+            <a:extLst>
+              <a:ext uri="{28A0092B-C50C-407E-A947-70E740481C1C}">
+                <a14:useLocalDpi xmlns:a14="http://schemas.microsoft.com/office/drawing/2010/main" val="0"/>
+              </a:ext>
+            </a:extLst>
+          </a:blip>
+          <a:stretch>
+            <a:fillRect/>
+          </a:stretch>
+        </p:blipFill>
+        <p:spPr>
+          <a:xfrm>
+            <a:off x="7906271" y="3248507"/>
+            <a:ext cx="971031" cy="971031"/>
+          </a:xfrm>
+          <a:prstGeom prst="rect">
+            <a:avLst/>
+          </a:prstGeom>
+        </p:spPr>
+      </p:pic>
+      <p:pic>
+        <p:nvPicPr>
+          <p:cNvPr id="59" name="図 58" descr="図形&#10;&#10;低い精度で自動的に生成された説明">
+            <a:extLst>
+              <a:ext uri="{FF2B5EF4-FFF2-40B4-BE49-F238E27FC236}">
+                <a16:creationId xmlns:a16="http://schemas.microsoft.com/office/drawing/2014/main" id="{727C7113-3644-4834-BC64-BF1BE8680B8D}"/>
+              </a:ext>
+            </a:extLst>
+          </p:cNvPr>
+          <p:cNvPicPr>
+            <a:picLocks noChangeAspect="1"/>
+          </p:cNvPicPr>
+          <p:nvPr/>
+        </p:nvPicPr>
+        <p:blipFill>
+          <a:blip r:embed="rId10">
+            <a:extLst>
+              <a:ext uri="{28A0092B-C50C-407E-A947-70E740481C1C}">
+                <a14:useLocalDpi xmlns:a14="http://schemas.microsoft.com/office/drawing/2010/main" val="0"/>
+              </a:ext>
+            </a:extLst>
+          </a:blip>
+          <a:stretch>
+            <a:fillRect/>
+          </a:stretch>
+        </p:blipFill>
+        <p:spPr>
+          <a:xfrm>
+            <a:off x="7906271" y="1983142"/>
+            <a:ext cx="959216" cy="959216"/>
+          </a:xfrm>
+          <a:prstGeom prst="rect">
+            <a:avLst/>
+          </a:prstGeom>
+        </p:spPr>
+      </p:pic>
+      <p:pic>
+        <p:nvPicPr>
+          <p:cNvPr id="61" name="図 60" descr="花火のcg&#10;&#10;自動的に生成された説明">
+            <a:extLst>
+              <a:ext uri="{FF2B5EF4-FFF2-40B4-BE49-F238E27FC236}">
+                <a16:creationId xmlns:a16="http://schemas.microsoft.com/office/drawing/2014/main" id="{AC91ADBB-A9EB-4FC0-B6A2-6DA263BA6957}"/>
+              </a:ext>
+            </a:extLst>
+          </p:cNvPr>
+          <p:cNvPicPr>
+            <a:picLocks noChangeAspect="1"/>
+          </p:cNvPicPr>
+          <p:nvPr/>
+        </p:nvPicPr>
+        <p:blipFill>
+          <a:blip r:embed="rId11">
+            <a:extLst>
+              <a:ext uri="{28A0092B-C50C-407E-A947-70E740481C1C}">
+                <a14:useLocalDpi xmlns:a14="http://schemas.microsoft.com/office/drawing/2010/main" val="0"/>
+              </a:ext>
+            </a:extLst>
+          </a:blip>
+          <a:stretch>
+            <a:fillRect/>
+          </a:stretch>
+        </p:blipFill>
+        <p:spPr>
+          <a:xfrm>
+            <a:off x="7906271" y="4525687"/>
+            <a:ext cx="971031" cy="971031"/>
+          </a:xfrm>
+          <a:prstGeom prst="rect">
+            <a:avLst/>
+          </a:prstGeom>
+        </p:spPr>
+      </p:pic>
+      <p:pic>
+        <p:nvPicPr>
+          <p:cNvPr id="63" name="図 62" descr="白黒の写真に写ってる男性の顔の絵&#10;&#10;低い精度で自動的に生成された説明">
+            <a:extLst>
+              <a:ext uri="{FF2B5EF4-FFF2-40B4-BE49-F238E27FC236}">
+                <a16:creationId xmlns:a16="http://schemas.microsoft.com/office/drawing/2014/main" id="{4326BEF0-AE07-4C8A-96BF-21A4217C451D}"/>
+              </a:ext>
+            </a:extLst>
+          </p:cNvPr>
+          <p:cNvPicPr>
+            <a:picLocks noChangeAspect="1"/>
+          </p:cNvPicPr>
+          <p:nvPr/>
+        </p:nvPicPr>
+        <p:blipFill>
+          <a:blip r:embed="rId12">
+            <a:extLst>
+              <a:ext uri="{28A0092B-C50C-407E-A947-70E740481C1C}">
+                <a14:useLocalDpi xmlns:a14="http://schemas.microsoft.com/office/drawing/2010/main" val="0"/>
+              </a:ext>
+            </a:extLst>
+          </a:blip>
+          <a:stretch>
+            <a:fillRect/>
+          </a:stretch>
+        </p:blipFill>
+        <p:spPr>
+          <a:xfrm>
+            <a:off x="7906271" y="5802867"/>
+            <a:ext cx="971031" cy="971031"/>
+          </a:xfrm>
+          <a:prstGeom prst="rect">
+            <a:avLst/>
+          </a:prstGeom>
+        </p:spPr>
+      </p:pic>
+      <p:sp>
+        <p:nvSpPr>
+          <p:cNvPr id="64" name="テキスト ボックス 63">
+            <a:extLst>
+              <a:ext uri="{FF2B5EF4-FFF2-40B4-BE49-F238E27FC236}">
+                <a16:creationId xmlns:a16="http://schemas.microsoft.com/office/drawing/2014/main" id="{373A1AB5-2162-4B3F-AFDE-8F277226716D}"/>
+              </a:ext>
+            </a:extLst>
+          </p:cNvPr>
+          <p:cNvSpPr txBox="1"/>
+          <p:nvPr/>
+        </p:nvSpPr>
+        <p:spPr>
+          <a:xfrm>
+            <a:off x="1740049" y="1716034"/>
+            <a:ext cx="380232" cy="523220"/>
+          </a:xfrm>
+          <a:prstGeom prst="rect">
+            <a:avLst/>
+          </a:prstGeom>
+          <a:noFill/>
+        </p:spPr>
+        <p:txBody>
+          <a:bodyPr wrap="none" rtlCol="0">
+            <a:spAutoFit/>
+          </a:bodyPr>
+          <a:lstStyle/>
+          <a:p>
+            <a:r>
+              <a:rPr kumimoji="1" lang="en-US" altLang="ja-JP" sz="2800" dirty="0">
+                <a:solidFill>
+                  <a:srgbClr val="FF0000"/>
+                </a:solidFill>
+              </a:rPr>
+              <a:t>R</a:t>
+            </a:r>
+            <a:endParaRPr kumimoji="1" lang="ja-JP" altLang="en-US" sz="2800" dirty="0">
+              <a:solidFill>
+                <a:srgbClr val="FF0000"/>
+              </a:solidFill>
+            </a:endParaRPr>
+          </a:p>
+        </p:txBody>
+      </p:sp>
+      <p:sp>
+        <p:nvSpPr>
+          <p:cNvPr id="65" name="テキスト ボックス 64">
+            <a:extLst>
+              <a:ext uri="{FF2B5EF4-FFF2-40B4-BE49-F238E27FC236}">
+                <a16:creationId xmlns:a16="http://schemas.microsoft.com/office/drawing/2014/main" id="{1B795C1D-D974-48D6-8C09-B23D8E30ACF2}"/>
+              </a:ext>
+            </a:extLst>
+          </p:cNvPr>
+          <p:cNvSpPr txBox="1"/>
+          <p:nvPr/>
+        </p:nvSpPr>
+        <p:spPr>
+          <a:xfrm>
+            <a:off x="1719051" y="3422112"/>
+            <a:ext cx="410690" cy="523220"/>
+          </a:xfrm>
+          <a:prstGeom prst="rect">
+            <a:avLst/>
+          </a:prstGeom>
+          <a:noFill/>
+        </p:spPr>
+        <p:txBody>
+          <a:bodyPr wrap="none" rtlCol="0">
+            <a:spAutoFit/>
+          </a:bodyPr>
+          <a:lstStyle/>
+          <a:p>
+            <a:r>
+              <a:rPr kumimoji="1" lang="en-US" altLang="ja-JP" sz="2800" dirty="0">
+                <a:solidFill>
+                  <a:srgbClr val="00B050"/>
+                </a:solidFill>
+              </a:rPr>
+              <a:t>G</a:t>
+            </a:r>
+            <a:endParaRPr kumimoji="1" lang="ja-JP" altLang="en-US" sz="2800" dirty="0">
+              <a:solidFill>
+                <a:srgbClr val="00B050"/>
+              </a:solidFill>
+            </a:endParaRPr>
+          </a:p>
+        </p:txBody>
+      </p:sp>
+      <p:sp>
+        <p:nvSpPr>
+          <p:cNvPr id="66" name="テキスト ボックス 65">
+            <a:extLst>
+              <a:ext uri="{FF2B5EF4-FFF2-40B4-BE49-F238E27FC236}">
+                <a16:creationId xmlns:a16="http://schemas.microsoft.com/office/drawing/2014/main" id="{3DCE6CCF-A4A1-44CD-BDD4-274454355AA8}"/>
+              </a:ext>
+            </a:extLst>
+          </p:cNvPr>
+          <p:cNvSpPr txBox="1"/>
+          <p:nvPr/>
+        </p:nvSpPr>
+        <p:spPr>
+          <a:xfrm>
+            <a:off x="1740503" y="5279647"/>
+            <a:ext cx="380232" cy="523220"/>
+          </a:xfrm>
+          <a:prstGeom prst="rect">
+            <a:avLst/>
+          </a:prstGeom>
+          <a:noFill/>
+        </p:spPr>
+        <p:txBody>
+          <a:bodyPr wrap="none" rtlCol="0">
+            <a:spAutoFit/>
+          </a:bodyPr>
+          <a:lstStyle/>
+          <a:p>
+            <a:r>
+              <a:rPr kumimoji="1" lang="en-US" altLang="ja-JP" sz="2800" dirty="0">
+                <a:solidFill>
+                  <a:schemeClr val="accent5">
+                    <a:lumMod val="75000"/>
+                  </a:schemeClr>
+                </a:solidFill>
+              </a:rPr>
+              <a:t>B</a:t>
+            </a:r>
+            <a:endParaRPr kumimoji="1" lang="ja-JP" altLang="en-US" sz="2800" dirty="0">
+              <a:solidFill>
+                <a:schemeClr val="accent5">
+                  <a:lumMod val="75000"/>
+                </a:schemeClr>
+              </a:solidFill>
+            </a:endParaRPr>
+          </a:p>
+        </p:txBody>
+      </p:sp>
+      <p:sp>
+        <p:nvSpPr>
+          <p:cNvPr id="67" name="テキスト ボックス 66">
+            <a:extLst>
+              <a:ext uri="{FF2B5EF4-FFF2-40B4-BE49-F238E27FC236}">
+                <a16:creationId xmlns:a16="http://schemas.microsoft.com/office/drawing/2014/main" id="{B839D452-C33F-4A26-9B28-DA1A0BA749C5}"/>
+              </a:ext>
+            </a:extLst>
+          </p:cNvPr>
+          <p:cNvSpPr txBox="1"/>
+          <p:nvPr/>
+        </p:nvSpPr>
+        <p:spPr>
+          <a:xfrm>
+            <a:off x="7355045" y="962074"/>
+            <a:ext cx="380232" cy="523220"/>
+          </a:xfrm>
+          <a:prstGeom prst="rect">
+            <a:avLst/>
+          </a:prstGeom>
+          <a:noFill/>
+        </p:spPr>
+        <p:txBody>
+          <a:bodyPr wrap="none" rtlCol="0">
+            <a:spAutoFit/>
+          </a:bodyPr>
+          <a:lstStyle/>
+          <a:p>
+            <a:r>
+              <a:rPr kumimoji="1" lang="en-US" altLang="ja-JP" sz="2800" dirty="0">
+                <a:solidFill>
+                  <a:srgbClr val="FF0000"/>
+                </a:solidFill>
+              </a:rPr>
+              <a:t>R</a:t>
+            </a:r>
+            <a:endParaRPr kumimoji="1" lang="ja-JP" altLang="en-US" sz="2800" dirty="0">
+              <a:solidFill>
+                <a:srgbClr val="FF0000"/>
+              </a:solidFill>
+            </a:endParaRPr>
+          </a:p>
+        </p:txBody>
+      </p:sp>
+      <p:sp>
+        <p:nvSpPr>
+          <p:cNvPr id="68" name="テキスト ボックス 67">
+            <a:extLst>
+              <a:ext uri="{FF2B5EF4-FFF2-40B4-BE49-F238E27FC236}">
+                <a16:creationId xmlns:a16="http://schemas.microsoft.com/office/drawing/2014/main" id="{D957EAE2-1EFB-4AB4-BF6E-885C174DED72}"/>
+              </a:ext>
+            </a:extLst>
+          </p:cNvPr>
+          <p:cNvSpPr txBox="1"/>
+          <p:nvPr/>
+        </p:nvSpPr>
+        <p:spPr>
+          <a:xfrm>
+            <a:off x="7355045" y="2220660"/>
+            <a:ext cx="410690" cy="523220"/>
+          </a:xfrm>
+          <a:prstGeom prst="rect">
+            <a:avLst/>
+          </a:prstGeom>
+          <a:noFill/>
+        </p:spPr>
+        <p:txBody>
+          <a:bodyPr wrap="none" rtlCol="0">
+            <a:spAutoFit/>
+          </a:bodyPr>
+          <a:lstStyle/>
+          <a:p>
+            <a:r>
+              <a:rPr kumimoji="1" lang="en-US" altLang="ja-JP" sz="2800" dirty="0">
+                <a:solidFill>
+                  <a:srgbClr val="00B050"/>
+                </a:solidFill>
+              </a:rPr>
+              <a:t>G</a:t>
+            </a:r>
+            <a:endParaRPr kumimoji="1" lang="ja-JP" altLang="en-US" sz="2800" dirty="0">
+              <a:solidFill>
+                <a:srgbClr val="00B050"/>
+              </a:solidFill>
+            </a:endParaRPr>
+          </a:p>
+        </p:txBody>
+      </p:sp>
+      <p:sp>
+        <p:nvSpPr>
+          <p:cNvPr id="69" name="テキスト ボックス 68">
+            <a:extLst>
+              <a:ext uri="{FF2B5EF4-FFF2-40B4-BE49-F238E27FC236}">
+                <a16:creationId xmlns:a16="http://schemas.microsoft.com/office/drawing/2014/main" id="{EE779452-0A99-44A3-8B62-0ABFDD0993CE}"/>
+              </a:ext>
+            </a:extLst>
+          </p:cNvPr>
+          <p:cNvSpPr txBox="1"/>
+          <p:nvPr/>
+        </p:nvSpPr>
+        <p:spPr>
+          <a:xfrm>
+            <a:off x="7370274" y="3479246"/>
+            <a:ext cx="380232" cy="523220"/>
+          </a:xfrm>
+          <a:prstGeom prst="rect">
+            <a:avLst/>
+          </a:prstGeom>
+          <a:noFill/>
+        </p:spPr>
+        <p:txBody>
+          <a:bodyPr wrap="none" rtlCol="0">
+            <a:spAutoFit/>
+          </a:bodyPr>
+          <a:lstStyle/>
+          <a:p>
+            <a:r>
+              <a:rPr kumimoji="1" lang="en-US" altLang="ja-JP" sz="2800" dirty="0">
+                <a:solidFill>
+                  <a:schemeClr val="accent5">
+                    <a:lumMod val="75000"/>
+                  </a:schemeClr>
+                </a:solidFill>
+              </a:rPr>
+              <a:t>B</a:t>
+            </a:r>
+            <a:endParaRPr kumimoji="1" lang="ja-JP" altLang="en-US" sz="2800" dirty="0">
+              <a:solidFill>
+                <a:schemeClr val="accent5">
+                  <a:lumMod val="75000"/>
+                </a:schemeClr>
+              </a:solidFill>
+            </a:endParaRPr>
+          </a:p>
+        </p:txBody>
+      </p:sp>
+      <p:sp>
+        <p:nvSpPr>
+          <p:cNvPr id="70" name="テキスト ボックス 69">
+            <a:extLst>
+              <a:ext uri="{FF2B5EF4-FFF2-40B4-BE49-F238E27FC236}">
+                <a16:creationId xmlns:a16="http://schemas.microsoft.com/office/drawing/2014/main" id="{7E116860-CD68-450B-B55E-79120FA80251}"/>
+              </a:ext>
+            </a:extLst>
+          </p:cNvPr>
+          <p:cNvSpPr txBox="1"/>
+          <p:nvPr/>
+        </p:nvSpPr>
+        <p:spPr>
+          <a:xfrm>
+            <a:off x="7293329" y="4737832"/>
+            <a:ext cx="503664" cy="523220"/>
+          </a:xfrm>
+          <a:prstGeom prst="rect">
+            <a:avLst/>
+          </a:prstGeom>
+          <a:noFill/>
+        </p:spPr>
+        <p:txBody>
+          <a:bodyPr wrap="none" rtlCol="0">
+            <a:spAutoFit/>
+          </a:bodyPr>
+          <a:lstStyle/>
+          <a:p>
+            <a:r>
+              <a:rPr kumimoji="1" lang="en-US" altLang="ja-JP" sz="2800" dirty="0"/>
+              <a:t>W</a:t>
+            </a:r>
+            <a:endParaRPr kumimoji="1" lang="ja-JP" altLang="en-US" sz="2800" dirty="0"/>
+          </a:p>
+        </p:txBody>
+      </p:sp>
+      <p:sp>
+        <p:nvSpPr>
+          <p:cNvPr id="71" name="テキスト ボックス 70">
+            <a:extLst>
+              <a:ext uri="{FF2B5EF4-FFF2-40B4-BE49-F238E27FC236}">
+                <a16:creationId xmlns:a16="http://schemas.microsoft.com/office/drawing/2014/main" id="{2B0BDFB1-D6ED-410D-BCD3-69ADB787EF93}"/>
+              </a:ext>
+            </a:extLst>
+          </p:cNvPr>
+          <p:cNvSpPr txBox="1"/>
+          <p:nvPr/>
+        </p:nvSpPr>
+        <p:spPr>
+          <a:xfrm>
+            <a:off x="7293329" y="6026772"/>
+            <a:ext cx="543739" cy="523220"/>
+          </a:xfrm>
+          <a:prstGeom prst="rect">
+            <a:avLst/>
+          </a:prstGeom>
+          <a:noFill/>
+        </p:spPr>
+        <p:txBody>
+          <a:bodyPr wrap="none" rtlCol="0">
+            <a:spAutoFit/>
+          </a:bodyPr>
+          <a:lstStyle/>
+          <a:p>
+            <a:r>
+              <a:rPr kumimoji="1" lang="en-US" altLang="ja-JP" sz="2800" dirty="0">
+                <a:solidFill>
+                  <a:schemeClr val="bg1"/>
+                </a:solidFill>
+              </a:rPr>
+              <a:t>Bk</a:t>
+            </a:r>
+            <a:endParaRPr kumimoji="1" lang="ja-JP" altLang="en-US" sz="2800" dirty="0">
+              <a:solidFill>
+                <a:schemeClr val="bg1"/>
+              </a:solidFill>
+            </a:endParaRPr>
+          </a:p>
+        </p:txBody>
+      </p:sp>
+      <p:cxnSp>
+        <p:nvCxnSpPr>
+          <p:cNvPr id="75" name="直線矢印コネクタ 74">
+            <a:extLst>
+              <a:ext uri="{FF2B5EF4-FFF2-40B4-BE49-F238E27FC236}">
+                <a16:creationId xmlns:a16="http://schemas.microsoft.com/office/drawing/2014/main" id="{E8264BEC-7145-438D-A7E0-B0F19FA825E3}"/>
+              </a:ext>
+            </a:extLst>
+          </p:cNvPr>
+          <p:cNvCxnSpPr>
+            <a:cxnSpLocks/>
+            <a:stCxn id="49" idx="3"/>
+          </p:cNvCxnSpPr>
+          <p:nvPr/>
+        </p:nvCxnSpPr>
+        <p:spPr>
+          <a:xfrm flipV="1">
+            <a:off x="6054991" y="1388655"/>
+            <a:ext cx="1300054" cy="2295068"/>
+          </a:xfrm>
+          <a:prstGeom prst="straightConnector1">
+            <a:avLst/>
+          </a:prstGeom>
+          <a:ln w="38100">
+            <a:solidFill>
+              <a:schemeClr val="accent1">
+                <a:lumMod val="75000"/>
+              </a:schemeClr>
+            </a:solidFill>
+            <a:headEnd type="none" w="med" len="med"/>
+            <a:tailEnd type="arrow" w="med" len="med"/>
+          </a:ln>
+        </p:spPr>
+        <p:style>
+          <a:lnRef idx="1">
+            <a:schemeClr val="accent1"/>
+          </a:lnRef>
+          <a:fillRef idx="0">
+            <a:schemeClr val="accent1"/>
+          </a:fillRef>
+          <a:effectRef idx="0">
+            <a:schemeClr val="accent1"/>
+          </a:effectRef>
+          <a:fontRef idx="minor">
+            <a:schemeClr val="tx1"/>
+          </a:fontRef>
+        </p:style>
+      </p:cxnSp>
+      <p:cxnSp>
+        <p:nvCxnSpPr>
+          <p:cNvPr id="82" name="直線矢印コネクタ 81">
+            <a:extLst>
+              <a:ext uri="{FF2B5EF4-FFF2-40B4-BE49-F238E27FC236}">
+                <a16:creationId xmlns:a16="http://schemas.microsoft.com/office/drawing/2014/main" id="{CB8B2B22-F84C-4EB1-9C71-E0D4BF214791}"/>
+              </a:ext>
+            </a:extLst>
+          </p:cNvPr>
+          <p:cNvCxnSpPr>
+            <a:cxnSpLocks/>
+            <a:stCxn id="53" idx="3"/>
+          </p:cNvCxnSpPr>
+          <p:nvPr/>
+        </p:nvCxnSpPr>
+        <p:spPr>
+          <a:xfrm flipV="1">
+            <a:off x="6054992" y="1591829"/>
+            <a:ext cx="1505398" cy="3895577"/>
+          </a:xfrm>
+          <a:prstGeom prst="straightConnector1">
+            <a:avLst/>
+          </a:prstGeom>
+          <a:ln w="38100">
+            <a:solidFill>
+              <a:schemeClr val="accent1">
+                <a:lumMod val="75000"/>
+              </a:schemeClr>
+            </a:solidFill>
+            <a:headEnd type="none" w="med" len="med"/>
+            <a:tailEnd type="arrow" w="med" len="med"/>
+          </a:ln>
+        </p:spPr>
+        <p:style>
+          <a:lnRef idx="1">
+            <a:schemeClr val="accent1"/>
+          </a:lnRef>
+          <a:fillRef idx="0">
+            <a:schemeClr val="accent1"/>
+          </a:fillRef>
+          <a:effectRef idx="0">
+            <a:schemeClr val="accent1"/>
+          </a:effectRef>
+          <a:fontRef idx="minor">
+            <a:schemeClr val="tx1"/>
+          </a:fontRef>
+        </p:style>
+      </p:cxnSp>
+    </p:spTree>
+    <p:extLst>
+      <p:ext uri="{BB962C8B-B14F-4D97-AF65-F5344CB8AC3E}">
+        <p14:creationId xmlns:p14="http://schemas.microsoft.com/office/powerpoint/2010/main" val="2235094362"/>
+      </p:ext>
+    </p:extLst>
+  </p:cSld>
+  <p:clrMapOvr>
+    <a:masterClrMapping/>
+  </p:clrMapOvr>
+</p:sld>
+</file>
+
+<file path=ppt/slides/slide2.xml><?xml version="1.0" encoding="utf-8"?>
+<p:sld xmlns:a="http://schemas.openxmlformats.org/drawingml/2006/main" xmlns:r="http://schemas.openxmlformats.org/officeDocument/2006/relationships" xmlns:p="http://schemas.openxmlformats.org/presentationml/2006/main">
+  <p:cSld>
+    <p:spTree>
+      <p:nvGrpSpPr>
+        <p:cNvPr id="1" name=""/>
+        <p:cNvGrpSpPr/>
+        <p:nvPr/>
+      </p:nvGrpSpPr>
+      <p:grpSpPr>
+        <a:xfrm>
+          <a:off x="0" y="0"/>
+          <a:ext cx="0" cy="0"/>
+          <a:chOff x="0" y="0"/>
+          <a:chExt cx="0" cy="0"/>
+        </a:xfrm>
+      </p:grpSpPr>
+      <p:sp>
+        <p:nvSpPr>
+          <p:cNvPr id="2" name="テキスト ボックス 1">
+            <a:extLst>
+              <a:ext uri="{FF2B5EF4-FFF2-40B4-BE49-F238E27FC236}">
+                <a16:creationId xmlns:a16="http://schemas.microsoft.com/office/drawing/2014/main" id="{C6F54582-5FE5-408A-87D1-28EBD5FF063C}"/>
+              </a:ext>
+            </a:extLst>
+          </p:cNvPr>
+          <p:cNvSpPr txBox="1"/>
+          <p:nvPr/>
+        </p:nvSpPr>
+        <p:spPr>
+          <a:xfrm>
+            <a:off x="266700" y="381000"/>
+            <a:ext cx="2819400" cy="523220"/>
+          </a:xfrm>
+          <a:prstGeom prst="rect">
+            <a:avLst/>
+          </a:prstGeom>
+          <a:noFill/>
+        </p:spPr>
+        <p:txBody>
+          <a:bodyPr wrap="square" rtlCol="0">
+            <a:spAutoFit/>
+          </a:bodyPr>
+          <a:lstStyle/>
+          <a:p>
+            <a:r>
+              <a:rPr kumimoji="1" lang="en-US" altLang="ja-JP" sz="2800" u="sng" dirty="0"/>
+              <a:t>1. </a:t>
+            </a:r>
+            <a:r>
+              <a:rPr kumimoji="1" lang="ja-JP" altLang="en-US" sz="2800" u="sng" dirty="0"/>
+              <a:t>画像処理とは</a:t>
+            </a:r>
+          </a:p>
+        </p:txBody>
+      </p:sp>
+      <p:sp>
+        <p:nvSpPr>
+          <p:cNvPr id="3" name="テキスト ボックス 2">
+            <a:extLst>
+              <a:ext uri="{FF2B5EF4-FFF2-40B4-BE49-F238E27FC236}">
+                <a16:creationId xmlns:a16="http://schemas.microsoft.com/office/drawing/2014/main" id="{E92928C1-E047-4FBE-970E-2DECB4134FF5}"/>
+              </a:ext>
+            </a:extLst>
+          </p:cNvPr>
+          <p:cNvSpPr txBox="1"/>
+          <p:nvPr/>
+        </p:nvSpPr>
+        <p:spPr>
+          <a:xfrm>
+            <a:off x="800100" y="1130300"/>
+            <a:ext cx="3771900" cy="400110"/>
+          </a:xfrm>
+          <a:prstGeom prst="rect">
+            <a:avLst/>
+          </a:prstGeom>
+          <a:noFill/>
+        </p:spPr>
+        <p:txBody>
+          <a:bodyPr wrap="square" rtlCol="0">
+            <a:spAutoFit/>
+          </a:bodyPr>
+          <a:lstStyle/>
+          <a:p>
+            <a:r>
+              <a:rPr kumimoji="1" lang="ja-JP" altLang="en-US" sz="2000" dirty="0"/>
+              <a:t>画像を扱う</a:t>
+            </a:r>
+            <a:r>
+              <a:rPr kumimoji="1" lang="ja-JP" altLang="en-US" sz="2000" dirty="0">
+                <a:solidFill>
+                  <a:srgbClr val="FF6600"/>
+                </a:solidFill>
+              </a:rPr>
+              <a:t>信号処理全般</a:t>
+            </a:r>
+            <a:r>
+              <a:rPr kumimoji="1" lang="ja-JP" altLang="en-US" sz="2000" dirty="0"/>
+              <a:t>を指す．</a:t>
+            </a:r>
+          </a:p>
+        </p:txBody>
+      </p:sp>
+      <p:sp>
+        <p:nvSpPr>
+          <p:cNvPr id="4" name="四角形: 角を丸くする 3">
+            <a:extLst>
+              <a:ext uri="{FF2B5EF4-FFF2-40B4-BE49-F238E27FC236}">
+                <a16:creationId xmlns:a16="http://schemas.microsoft.com/office/drawing/2014/main" id="{8C9157CF-5244-4C8D-9E91-3364E3398C11}"/>
+              </a:ext>
+            </a:extLst>
+          </p:cNvPr>
+          <p:cNvSpPr/>
+          <p:nvPr/>
+        </p:nvSpPr>
+        <p:spPr>
+          <a:xfrm>
+            <a:off x="800100" y="2197100"/>
+            <a:ext cx="7670800" cy="3949700"/>
+          </a:xfrm>
+          <a:prstGeom prst="roundRect">
+            <a:avLst>
+              <a:gd name="adj" fmla="val 8628"/>
+            </a:avLst>
+          </a:prstGeom>
+          <a:noFill/>
+          <a:ln w="28575">
+            <a:solidFill>
+              <a:schemeClr val="accent1"/>
+            </a:solidFill>
+          </a:ln>
+        </p:spPr>
+        <p:style>
+          <a:lnRef idx="2">
+            <a:schemeClr val="accent1">
+              <a:shade val="50000"/>
+            </a:schemeClr>
+          </a:lnRef>
+          <a:fillRef idx="1">
+            <a:schemeClr val="accent1"/>
+          </a:fillRef>
+          <a:effectRef idx="0">
+            <a:schemeClr val="accent1"/>
+          </a:effectRef>
+          <a:fontRef idx="minor">
+            <a:schemeClr val="lt1"/>
+          </a:fontRef>
+        </p:style>
+        <p:txBody>
+          <a:bodyPr rtlCol="0" anchor="ctr"/>
+          <a:lstStyle/>
+          <a:p>
+            <a:pPr algn="ctr"/>
+            <a:endParaRPr kumimoji="1" lang="ja-JP" altLang="en-US"/>
+          </a:p>
+        </p:txBody>
+      </p:sp>
+      <p:sp>
+        <p:nvSpPr>
+          <p:cNvPr id="5" name="テキスト ボックス 4">
+            <a:extLst>
+              <a:ext uri="{FF2B5EF4-FFF2-40B4-BE49-F238E27FC236}">
+                <a16:creationId xmlns:a16="http://schemas.microsoft.com/office/drawing/2014/main" id="{EC011A01-2DF6-47FE-AD73-B609F046034C}"/>
+              </a:ext>
+            </a:extLst>
+          </p:cNvPr>
+          <p:cNvSpPr txBox="1"/>
+          <p:nvPr/>
+        </p:nvSpPr>
+        <p:spPr>
+          <a:xfrm>
+            <a:off x="1066800" y="1966267"/>
+            <a:ext cx="1485900" cy="461665"/>
+          </a:xfrm>
+          <a:prstGeom prst="rect">
+            <a:avLst/>
+          </a:prstGeom>
+          <a:solidFill>
+            <a:schemeClr val="bg1"/>
+          </a:solidFill>
+        </p:spPr>
+        <p:txBody>
+          <a:bodyPr wrap="square" rtlCol="0">
+            <a:spAutoFit/>
+          </a:bodyPr>
+          <a:lstStyle/>
+          <a:p>
+            <a:r>
+              <a:rPr kumimoji="1" lang="ja-JP" altLang="en-US" sz="2400" dirty="0"/>
+              <a:t>画像処理</a:t>
+            </a:r>
+          </a:p>
+        </p:txBody>
+      </p:sp>
+      <p:sp>
+        <p:nvSpPr>
+          <p:cNvPr id="6" name="四角形: 角を丸くする 5">
+            <a:extLst>
+              <a:ext uri="{FF2B5EF4-FFF2-40B4-BE49-F238E27FC236}">
+                <a16:creationId xmlns:a16="http://schemas.microsoft.com/office/drawing/2014/main" id="{B05965FC-B961-45DE-B8C6-EAF6DB52064E}"/>
+              </a:ext>
+            </a:extLst>
+          </p:cNvPr>
+          <p:cNvSpPr/>
+          <p:nvPr/>
+        </p:nvSpPr>
+        <p:spPr>
+          <a:xfrm>
+            <a:off x="1066801" y="3094622"/>
+            <a:ext cx="3937000" cy="2377132"/>
+          </a:xfrm>
+          <a:prstGeom prst="roundRect">
+            <a:avLst>
+              <a:gd name="adj" fmla="val 8628"/>
+            </a:avLst>
+          </a:prstGeom>
+          <a:noFill/>
+          <a:ln w="28575">
+            <a:solidFill>
+              <a:srgbClr val="FFC000"/>
+            </a:solidFill>
+          </a:ln>
+        </p:spPr>
+        <p:style>
+          <a:lnRef idx="2">
+            <a:schemeClr val="accent1">
+              <a:shade val="50000"/>
+            </a:schemeClr>
+          </a:lnRef>
+          <a:fillRef idx="1">
+            <a:schemeClr val="accent1"/>
+          </a:fillRef>
+          <a:effectRef idx="0">
+            <a:schemeClr val="accent1"/>
+          </a:effectRef>
+          <a:fontRef idx="minor">
+            <a:schemeClr val="lt1"/>
+          </a:fontRef>
+        </p:style>
+        <p:txBody>
+          <a:bodyPr rtlCol="0" anchor="ctr"/>
+          <a:lstStyle/>
+          <a:p>
+            <a:pPr algn="ctr"/>
+            <a:endParaRPr kumimoji="1" lang="ja-JP" altLang="en-US"/>
+          </a:p>
+        </p:txBody>
+      </p:sp>
+      <p:sp>
+        <p:nvSpPr>
+          <p:cNvPr id="7" name="テキスト ボックス 6">
+            <a:extLst>
+              <a:ext uri="{FF2B5EF4-FFF2-40B4-BE49-F238E27FC236}">
+                <a16:creationId xmlns:a16="http://schemas.microsoft.com/office/drawing/2014/main" id="{202C12E7-FA3C-4D35-9D75-C51FCD83C0E0}"/>
+              </a:ext>
+            </a:extLst>
+          </p:cNvPr>
+          <p:cNvSpPr txBox="1"/>
+          <p:nvPr/>
+        </p:nvSpPr>
+        <p:spPr>
+          <a:xfrm>
+            <a:off x="1200150" y="2841533"/>
+            <a:ext cx="2508250" cy="400110"/>
+          </a:xfrm>
+          <a:prstGeom prst="rect">
+            <a:avLst/>
+          </a:prstGeom>
+          <a:solidFill>
+            <a:schemeClr val="bg1"/>
+          </a:solidFill>
+        </p:spPr>
+        <p:txBody>
+          <a:bodyPr wrap="square" rtlCol="0">
+            <a:spAutoFit/>
+          </a:bodyPr>
+          <a:lstStyle/>
+          <a:p>
+            <a:r>
+              <a:rPr kumimoji="1" lang="ja-JP" altLang="en-US" sz="2000" dirty="0"/>
+              <a:t>画像解析・画像認識</a:t>
+            </a:r>
+          </a:p>
+        </p:txBody>
+      </p:sp>
+      <p:sp>
+        <p:nvSpPr>
+          <p:cNvPr id="8" name="四角形: 角を丸くする 7">
+            <a:extLst>
+              <a:ext uri="{FF2B5EF4-FFF2-40B4-BE49-F238E27FC236}">
+                <a16:creationId xmlns:a16="http://schemas.microsoft.com/office/drawing/2014/main" id="{227CB5E6-AFD6-4F29-895B-58B4C01B9C6F}"/>
+              </a:ext>
+            </a:extLst>
+          </p:cNvPr>
+          <p:cNvSpPr/>
+          <p:nvPr/>
+        </p:nvSpPr>
+        <p:spPr>
+          <a:xfrm>
+            <a:off x="5137150" y="3094622"/>
+            <a:ext cx="3067050" cy="2377132"/>
+          </a:xfrm>
+          <a:prstGeom prst="roundRect">
+            <a:avLst>
+              <a:gd name="adj" fmla="val 8628"/>
+            </a:avLst>
+          </a:prstGeom>
+          <a:noFill/>
+          <a:ln w="28575">
+            <a:solidFill>
+              <a:schemeClr val="accent6"/>
+            </a:solidFill>
+          </a:ln>
+        </p:spPr>
+        <p:style>
+          <a:lnRef idx="2">
+            <a:schemeClr val="accent1">
+              <a:shade val="50000"/>
+            </a:schemeClr>
+          </a:lnRef>
+          <a:fillRef idx="1">
+            <a:schemeClr val="accent1"/>
+          </a:fillRef>
+          <a:effectRef idx="0">
+            <a:schemeClr val="accent1"/>
+          </a:effectRef>
+          <a:fontRef idx="minor">
+            <a:schemeClr val="lt1"/>
+          </a:fontRef>
+        </p:style>
+        <p:txBody>
+          <a:bodyPr rtlCol="0" anchor="ctr"/>
+          <a:lstStyle/>
+          <a:p>
+            <a:pPr algn="ctr"/>
+            <a:endParaRPr kumimoji="1" lang="ja-JP" altLang="en-US"/>
+          </a:p>
+        </p:txBody>
+      </p:sp>
+      <p:sp>
+        <p:nvSpPr>
+          <p:cNvPr id="9" name="テキスト ボックス 8">
+            <a:extLst>
+              <a:ext uri="{FF2B5EF4-FFF2-40B4-BE49-F238E27FC236}">
+                <a16:creationId xmlns:a16="http://schemas.microsoft.com/office/drawing/2014/main" id="{0D39D021-5296-4FAC-9111-BB0F5FD0872B}"/>
+              </a:ext>
+            </a:extLst>
+          </p:cNvPr>
+          <p:cNvSpPr txBox="1"/>
+          <p:nvPr/>
+        </p:nvSpPr>
+        <p:spPr>
+          <a:xfrm>
+            <a:off x="5270502" y="2740679"/>
+            <a:ext cx="1968502" cy="707886"/>
+          </a:xfrm>
+          <a:prstGeom prst="rect">
+            <a:avLst/>
+          </a:prstGeom>
+          <a:solidFill>
+            <a:schemeClr val="bg1"/>
+          </a:solidFill>
+        </p:spPr>
+        <p:txBody>
+          <a:bodyPr wrap="square" rtlCol="0">
+            <a:spAutoFit/>
+          </a:bodyPr>
+          <a:lstStyle/>
+          <a:p>
+            <a:r>
+              <a:rPr kumimoji="1" lang="ja-JP" altLang="en-US" sz="2000" dirty="0"/>
+              <a:t>コンピュータ</a:t>
+            </a:r>
+            <a:endParaRPr kumimoji="1" lang="en-US" altLang="ja-JP" sz="2000" dirty="0"/>
+          </a:p>
+          <a:p>
+            <a:r>
+              <a:rPr kumimoji="1" lang="ja-JP" altLang="en-US" sz="2000" dirty="0"/>
+              <a:t>グラフィックス</a:t>
+            </a:r>
+          </a:p>
+        </p:txBody>
+      </p:sp>
+      <p:sp>
+        <p:nvSpPr>
+          <p:cNvPr id="10" name="テキスト ボックス 9">
+            <a:extLst>
+              <a:ext uri="{FF2B5EF4-FFF2-40B4-BE49-F238E27FC236}">
+                <a16:creationId xmlns:a16="http://schemas.microsoft.com/office/drawing/2014/main" id="{EEEE325B-8B30-4FE9-97C4-33C04D82913A}"/>
+              </a:ext>
+            </a:extLst>
+          </p:cNvPr>
+          <p:cNvSpPr txBox="1"/>
+          <p:nvPr/>
+        </p:nvSpPr>
+        <p:spPr>
+          <a:xfrm>
+            <a:off x="1200150" y="3498020"/>
+            <a:ext cx="3136900" cy="646331"/>
+          </a:xfrm>
+          <a:prstGeom prst="rect">
+            <a:avLst/>
+          </a:prstGeom>
+          <a:noFill/>
+        </p:spPr>
+        <p:txBody>
+          <a:bodyPr wrap="square" rtlCol="0">
+            <a:spAutoFit/>
+          </a:bodyPr>
+          <a:lstStyle/>
+          <a:p>
+            <a:r>
+              <a:rPr kumimoji="1" lang="ja-JP" altLang="en-US" dirty="0"/>
+              <a:t>画像や画像に含まれる物体を記述するための手段</a:t>
+            </a:r>
+          </a:p>
+        </p:txBody>
+      </p:sp>
+      <p:sp>
+        <p:nvSpPr>
+          <p:cNvPr id="11" name="テキスト ボックス 10">
+            <a:extLst>
+              <a:ext uri="{FF2B5EF4-FFF2-40B4-BE49-F238E27FC236}">
+                <a16:creationId xmlns:a16="http://schemas.microsoft.com/office/drawing/2014/main" id="{7A6FA580-77C4-4A6A-97D4-DB3395CAACDB}"/>
+              </a:ext>
+            </a:extLst>
+          </p:cNvPr>
+          <p:cNvSpPr txBox="1"/>
+          <p:nvPr/>
+        </p:nvSpPr>
+        <p:spPr>
+          <a:xfrm>
+            <a:off x="5270502" y="3679398"/>
+            <a:ext cx="2933698" cy="646331"/>
+          </a:xfrm>
+          <a:prstGeom prst="rect">
+            <a:avLst/>
+          </a:prstGeom>
+          <a:noFill/>
+        </p:spPr>
+        <p:txBody>
+          <a:bodyPr wrap="square" rtlCol="0">
+            <a:spAutoFit/>
+          </a:bodyPr>
+          <a:lstStyle/>
+          <a:p>
+            <a:r>
+              <a:rPr kumimoji="1" lang="ja-JP" altLang="en-US" dirty="0"/>
+              <a:t>物体の形状や配置などの情報から画像を作り出す</a:t>
+            </a:r>
+          </a:p>
+        </p:txBody>
+      </p:sp>
+      <p:sp>
+        <p:nvSpPr>
+          <p:cNvPr id="12" name="テキスト ボックス 11">
+            <a:extLst>
+              <a:ext uri="{FF2B5EF4-FFF2-40B4-BE49-F238E27FC236}">
+                <a16:creationId xmlns:a16="http://schemas.microsoft.com/office/drawing/2014/main" id="{148E3FF0-0C51-47A1-8514-3090E717664A}"/>
+              </a:ext>
+            </a:extLst>
+          </p:cNvPr>
+          <p:cNvSpPr txBox="1"/>
+          <p:nvPr/>
+        </p:nvSpPr>
+        <p:spPr>
+          <a:xfrm>
+            <a:off x="1200150" y="4283188"/>
+            <a:ext cx="3136900" cy="923330"/>
+          </a:xfrm>
+          <a:prstGeom prst="rect">
+            <a:avLst/>
+          </a:prstGeom>
+          <a:noFill/>
+        </p:spPr>
+        <p:txBody>
+          <a:bodyPr wrap="square" rtlCol="0">
+            <a:spAutoFit/>
+          </a:bodyPr>
+          <a:lstStyle/>
+          <a:p>
+            <a:r>
+              <a:rPr kumimoji="1" lang="ja-JP" altLang="en-US" dirty="0">
+                <a:solidFill>
+                  <a:srgbClr val="FF6600"/>
+                </a:solidFill>
+              </a:rPr>
+              <a:t>符号化</a:t>
+            </a:r>
+            <a:endParaRPr kumimoji="1" lang="en-US" altLang="ja-JP" dirty="0">
+              <a:solidFill>
+                <a:srgbClr val="FF6600"/>
+              </a:solidFill>
+            </a:endParaRPr>
+          </a:p>
+          <a:p>
+            <a:r>
+              <a:rPr kumimoji="1" lang="ja-JP" altLang="en-US" dirty="0"/>
+              <a:t>与えられた画像を表す別の信号に変換すること</a:t>
+            </a:r>
+          </a:p>
+        </p:txBody>
+      </p:sp>
+    </p:spTree>
+    <p:extLst>
+      <p:ext uri="{BB962C8B-B14F-4D97-AF65-F5344CB8AC3E}">
+        <p14:creationId xmlns:p14="http://schemas.microsoft.com/office/powerpoint/2010/main" val="275798628"/>
+      </p:ext>
+    </p:extLst>
+  </p:cSld>
+  <p:clrMapOvr>
+    <a:masterClrMapping/>
+  </p:clrMapOvr>
+</p:sld>
+</file>
+
+<file path=ppt/slides/slide20.xml><?xml version="1.0" encoding="utf-8"?>
+<p:sld xmlns:a="http://schemas.openxmlformats.org/drawingml/2006/main" xmlns:r="http://schemas.openxmlformats.org/officeDocument/2006/relationships" xmlns:p="http://schemas.openxmlformats.org/presentationml/2006/main">
+  <p:cSld>
+    <p:spTree>
+      <p:nvGrpSpPr>
+        <p:cNvPr id="1" name=""/>
+        <p:cNvGrpSpPr/>
+        <p:nvPr/>
+      </p:nvGrpSpPr>
+      <p:grpSpPr>
+        <a:xfrm>
+          <a:off x="0" y="0"/>
+          <a:ext cx="0" cy="0"/>
+          <a:chOff x="0" y="0"/>
+          <a:chExt cx="0" cy="0"/>
+        </a:xfrm>
+      </p:grpSpPr>
       <p:graphicFrame>
         <p:nvGraphicFramePr>
           <p:cNvPr id="4" name="表 7">
@@ -18394,522 +20163,6 @@
     <p:extLst>
       <p:ext uri="{BB962C8B-B14F-4D97-AF65-F5344CB8AC3E}">
         <p14:creationId xmlns:p14="http://schemas.microsoft.com/office/powerpoint/2010/main" val="360077211"/>
-      </p:ext>
-    </p:extLst>
-  </p:cSld>
-  <p:clrMapOvr>
-    <a:masterClrMapping/>
-  </p:clrMapOvr>
-</p:sld>
-</file>
-
-<file path=ppt/slides/slide2.xml><?xml version="1.0" encoding="utf-8"?>
-<p:sld xmlns:a="http://schemas.openxmlformats.org/drawingml/2006/main" xmlns:r="http://schemas.openxmlformats.org/officeDocument/2006/relationships" xmlns:p="http://schemas.openxmlformats.org/presentationml/2006/main">
-  <p:cSld>
-    <p:spTree>
-      <p:nvGrpSpPr>
-        <p:cNvPr id="1" name=""/>
-        <p:cNvGrpSpPr/>
-        <p:nvPr/>
-      </p:nvGrpSpPr>
-      <p:grpSpPr>
-        <a:xfrm>
-          <a:off x="0" y="0"/>
-          <a:ext cx="0" cy="0"/>
-          <a:chOff x="0" y="0"/>
-          <a:chExt cx="0" cy="0"/>
-        </a:xfrm>
-      </p:grpSpPr>
-      <p:sp>
-        <p:nvSpPr>
-          <p:cNvPr id="2" name="テキスト ボックス 1">
-            <a:extLst>
-              <a:ext uri="{FF2B5EF4-FFF2-40B4-BE49-F238E27FC236}">
-                <a16:creationId xmlns:a16="http://schemas.microsoft.com/office/drawing/2014/main" id="{C6F54582-5FE5-408A-87D1-28EBD5FF063C}"/>
-              </a:ext>
-            </a:extLst>
-          </p:cNvPr>
-          <p:cNvSpPr txBox="1"/>
-          <p:nvPr/>
-        </p:nvSpPr>
-        <p:spPr>
-          <a:xfrm>
-            <a:off x="266700" y="381000"/>
-            <a:ext cx="2819400" cy="523220"/>
-          </a:xfrm>
-          <a:prstGeom prst="rect">
-            <a:avLst/>
-          </a:prstGeom>
-          <a:noFill/>
-        </p:spPr>
-        <p:txBody>
-          <a:bodyPr wrap="square" rtlCol="0">
-            <a:spAutoFit/>
-          </a:bodyPr>
-          <a:lstStyle/>
-          <a:p>
-            <a:r>
-              <a:rPr kumimoji="1" lang="en-US" altLang="ja-JP" sz="2800" u="sng" dirty="0"/>
-              <a:t>1. </a:t>
-            </a:r>
-            <a:r>
-              <a:rPr kumimoji="1" lang="ja-JP" altLang="en-US" sz="2800" u="sng" dirty="0"/>
-              <a:t>画像処理とは</a:t>
-            </a:r>
-          </a:p>
-        </p:txBody>
-      </p:sp>
-      <p:sp>
-        <p:nvSpPr>
-          <p:cNvPr id="3" name="テキスト ボックス 2">
-            <a:extLst>
-              <a:ext uri="{FF2B5EF4-FFF2-40B4-BE49-F238E27FC236}">
-                <a16:creationId xmlns:a16="http://schemas.microsoft.com/office/drawing/2014/main" id="{E92928C1-E047-4FBE-970E-2DECB4134FF5}"/>
-              </a:ext>
-            </a:extLst>
-          </p:cNvPr>
-          <p:cNvSpPr txBox="1"/>
-          <p:nvPr/>
-        </p:nvSpPr>
-        <p:spPr>
-          <a:xfrm>
-            <a:off x="800100" y="1130300"/>
-            <a:ext cx="3771900" cy="400110"/>
-          </a:xfrm>
-          <a:prstGeom prst="rect">
-            <a:avLst/>
-          </a:prstGeom>
-          <a:noFill/>
-        </p:spPr>
-        <p:txBody>
-          <a:bodyPr wrap="square" rtlCol="0">
-            <a:spAutoFit/>
-          </a:bodyPr>
-          <a:lstStyle/>
-          <a:p>
-            <a:r>
-              <a:rPr kumimoji="1" lang="ja-JP" altLang="en-US" sz="2000" dirty="0"/>
-              <a:t>画像を扱う</a:t>
-            </a:r>
-            <a:r>
-              <a:rPr kumimoji="1" lang="ja-JP" altLang="en-US" sz="2000" dirty="0">
-                <a:solidFill>
-                  <a:srgbClr val="FF6600"/>
-                </a:solidFill>
-              </a:rPr>
-              <a:t>信号処理全般</a:t>
-            </a:r>
-            <a:r>
-              <a:rPr kumimoji="1" lang="ja-JP" altLang="en-US" sz="2000" dirty="0"/>
-              <a:t>を指す．</a:t>
-            </a:r>
-          </a:p>
-        </p:txBody>
-      </p:sp>
-      <p:sp>
-        <p:nvSpPr>
-          <p:cNvPr id="4" name="四角形: 角を丸くする 3">
-            <a:extLst>
-              <a:ext uri="{FF2B5EF4-FFF2-40B4-BE49-F238E27FC236}">
-                <a16:creationId xmlns:a16="http://schemas.microsoft.com/office/drawing/2014/main" id="{8C9157CF-5244-4C8D-9E91-3364E3398C11}"/>
-              </a:ext>
-            </a:extLst>
-          </p:cNvPr>
-          <p:cNvSpPr/>
-          <p:nvPr/>
-        </p:nvSpPr>
-        <p:spPr>
-          <a:xfrm>
-            <a:off x="800100" y="2197100"/>
-            <a:ext cx="7670800" cy="3949700"/>
-          </a:xfrm>
-          <a:prstGeom prst="roundRect">
-            <a:avLst>
-              <a:gd name="adj" fmla="val 8628"/>
-            </a:avLst>
-          </a:prstGeom>
-          <a:noFill/>
-          <a:ln w="28575">
-            <a:solidFill>
-              <a:schemeClr val="accent1"/>
-            </a:solidFill>
-          </a:ln>
-        </p:spPr>
-        <p:style>
-          <a:lnRef idx="2">
-            <a:schemeClr val="accent1">
-              <a:shade val="50000"/>
-            </a:schemeClr>
-          </a:lnRef>
-          <a:fillRef idx="1">
-            <a:schemeClr val="accent1"/>
-          </a:fillRef>
-          <a:effectRef idx="0">
-            <a:schemeClr val="accent1"/>
-          </a:effectRef>
-          <a:fontRef idx="minor">
-            <a:schemeClr val="lt1"/>
-          </a:fontRef>
-        </p:style>
-        <p:txBody>
-          <a:bodyPr rtlCol="0" anchor="ctr"/>
-          <a:lstStyle/>
-          <a:p>
-            <a:pPr algn="ctr"/>
-            <a:endParaRPr kumimoji="1" lang="ja-JP" altLang="en-US"/>
-          </a:p>
-        </p:txBody>
-      </p:sp>
-      <p:sp>
-        <p:nvSpPr>
-          <p:cNvPr id="5" name="テキスト ボックス 4">
-            <a:extLst>
-              <a:ext uri="{FF2B5EF4-FFF2-40B4-BE49-F238E27FC236}">
-                <a16:creationId xmlns:a16="http://schemas.microsoft.com/office/drawing/2014/main" id="{EC011A01-2DF6-47FE-AD73-B609F046034C}"/>
-              </a:ext>
-            </a:extLst>
-          </p:cNvPr>
-          <p:cNvSpPr txBox="1"/>
-          <p:nvPr/>
-        </p:nvSpPr>
-        <p:spPr>
-          <a:xfrm>
-            <a:off x="1066800" y="1966267"/>
-            <a:ext cx="1485900" cy="461665"/>
-          </a:xfrm>
-          <a:prstGeom prst="rect">
-            <a:avLst/>
-          </a:prstGeom>
-          <a:solidFill>
-            <a:schemeClr val="bg1"/>
-          </a:solidFill>
-        </p:spPr>
-        <p:txBody>
-          <a:bodyPr wrap="square" rtlCol="0">
-            <a:spAutoFit/>
-          </a:bodyPr>
-          <a:lstStyle/>
-          <a:p>
-            <a:r>
-              <a:rPr kumimoji="1" lang="ja-JP" altLang="en-US" sz="2400" dirty="0"/>
-              <a:t>画像処理</a:t>
-            </a:r>
-          </a:p>
-        </p:txBody>
-      </p:sp>
-      <p:sp>
-        <p:nvSpPr>
-          <p:cNvPr id="6" name="四角形: 角を丸くする 5">
-            <a:extLst>
-              <a:ext uri="{FF2B5EF4-FFF2-40B4-BE49-F238E27FC236}">
-                <a16:creationId xmlns:a16="http://schemas.microsoft.com/office/drawing/2014/main" id="{B05965FC-B961-45DE-B8C6-EAF6DB52064E}"/>
-              </a:ext>
-            </a:extLst>
-          </p:cNvPr>
-          <p:cNvSpPr/>
-          <p:nvPr/>
-        </p:nvSpPr>
-        <p:spPr>
-          <a:xfrm>
-            <a:off x="1066801" y="3094622"/>
-            <a:ext cx="3937000" cy="2377132"/>
-          </a:xfrm>
-          <a:prstGeom prst="roundRect">
-            <a:avLst>
-              <a:gd name="adj" fmla="val 8628"/>
-            </a:avLst>
-          </a:prstGeom>
-          <a:noFill/>
-          <a:ln w="28575">
-            <a:solidFill>
-              <a:srgbClr val="FFC000"/>
-            </a:solidFill>
-          </a:ln>
-        </p:spPr>
-        <p:style>
-          <a:lnRef idx="2">
-            <a:schemeClr val="accent1">
-              <a:shade val="50000"/>
-            </a:schemeClr>
-          </a:lnRef>
-          <a:fillRef idx="1">
-            <a:schemeClr val="accent1"/>
-          </a:fillRef>
-          <a:effectRef idx="0">
-            <a:schemeClr val="accent1"/>
-          </a:effectRef>
-          <a:fontRef idx="minor">
-            <a:schemeClr val="lt1"/>
-          </a:fontRef>
-        </p:style>
-        <p:txBody>
-          <a:bodyPr rtlCol="0" anchor="ctr"/>
-          <a:lstStyle/>
-          <a:p>
-            <a:pPr algn="ctr"/>
-            <a:endParaRPr kumimoji="1" lang="ja-JP" altLang="en-US"/>
-          </a:p>
-        </p:txBody>
-      </p:sp>
-      <p:sp>
-        <p:nvSpPr>
-          <p:cNvPr id="7" name="テキスト ボックス 6">
-            <a:extLst>
-              <a:ext uri="{FF2B5EF4-FFF2-40B4-BE49-F238E27FC236}">
-                <a16:creationId xmlns:a16="http://schemas.microsoft.com/office/drawing/2014/main" id="{202C12E7-FA3C-4D35-9D75-C51FCD83C0E0}"/>
-              </a:ext>
-            </a:extLst>
-          </p:cNvPr>
-          <p:cNvSpPr txBox="1"/>
-          <p:nvPr/>
-        </p:nvSpPr>
-        <p:spPr>
-          <a:xfrm>
-            <a:off x="1200150" y="2841533"/>
-            <a:ext cx="2508250" cy="400110"/>
-          </a:xfrm>
-          <a:prstGeom prst="rect">
-            <a:avLst/>
-          </a:prstGeom>
-          <a:solidFill>
-            <a:schemeClr val="bg1"/>
-          </a:solidFill>
-        </p:spPr>
-        <p:txBody>
-          <a:bodyPr wrap="square" rtlCol="0">
-            <a:spAutoFit/>
-          </a:bodyPr>
-          <a:lstStyle/>
-          <a:p>
-            <a:r>
-              <a:rPr kumimoji="1" lang="ja-JP" altLang="en-US" sz="2000" dirty="0"/>
-              <a:t>画像解析・画像認識</a:t>
-            </a:r>
-          </a:p>
-        </p:txBody>
-      </p:sp>
-      <p:sp>
-        <p:nvSpPr>
-          <p:cNvPr id="8" name="四角形: 角を丸くする 7">
-            <a:extLst>
-              <a:ext uri="{FF2B5EF4-FFF2-40B4-BE49-F238E27FC236}">
-                <a16:creationId xmlns:a16="http://schemas.microsoft.com/office/drawing/2014/main" id="{227CB5E6-AFD6-4F29-895B-58B4C01B9C6F}"/>
-              </a:ext>
-            </a:extLst>
-          </p:cNvPr>
-          <p:cNvSpPr/>
-          <p:nvPr/>
-        </p:nvSpPr>
-        <p:spPr>
-          <a:xfrm>
-            <a:off x="5137150" y="3094622"/>
-            <a:ext cx="3067050" cy="2377132"/>
-          </a:xfrm>
-          <a:prstGeom prst="roundRect">
-            <a:avLst>
-              <a:gd name="adj" fmla="val 8628"/>
-            </a:avLst>
-          </a:prstGeom>
-          <a:noFill/>
-          <a:ln w="28575">
-            <a:solidFill>
-              <a:schemeClr val="accent6"/>
-            </a:solidFill>
-          </a:ln>
-        </p:spPr>
-        <p:style>
-          <a:lnRef idx="2">
-            <a:schemeClr val="accent1">
-              <a:shade val="50000"/>
-            </a:schemeClr>
-          </a:lnRef>
-          <a:fillRef idx="1">
-            <a:schemeClr val="accent1"/>
-          </a:fillRef>
-          <a:effectRef idx="0">
-            <a:schemeClr val="accent1"/>
-          </a:effectRef>
-          <a:fontRef idx="minor">
-            <a:schemeClr val="lt1"/>
-          </a:fontRef>
-        </p:style>
-        <p:txBody>
-          <a:bodyPr rtlCol="0" anchor="ctr"/>
-          <a:lstStyle/>
-          <a:p>
-            <a:pPr algn="ctr"/>
-            <a:endParaRPr kumimoji="1" lang="ja-JP" altLang="en-US"/>
-          </a:p>
-        </p:txBody>
-      </p:sp>
-      <p:sp>
-        <p:nvSpPr>
-          <p:cNvPr id="9" name="テキスト ボックス 8">
-            <a:extLst>
-              <a:ext uri="{FF2B5EF4-FFF2-40B4-BE49-F238E27FC236}">
-                <a16:creationId xmlns:a16="http://schemas.microsoft.com/office/drawing/2014/main" id="{0D39D021-5296-4FAC-9111-BB0F5FD0872B}"/>
-              </a:ext>
-            </a:extLst>
-          </p:cNvPr>
-          <p:cNvSpPr txBox="1"/>
-          <p:nvPr/>
-        </p:nvSpPr>
-        <p:spPr>
-          <a:xfrm>
-            <a:off x="5270502" y="2740679"/>
-            <a:ext cx="1968502" cy="707886"/>
-          </a:xfrm>
-          <a:prstGeom prst="rect">
-            <a:avLst/>
-          </a:prstGeom>
-          <a:solidFill>
-            <a:schemeClr val="bg1"/>
-          </a:solidFill>
-        </p:spPr>
-        <p:txBody>
-          <a:bodyPr wrap="square" rtlCol="0">
-            <a:spAutoFit/>
-          </a:bodyPr>
-          <a:lstStyle/>
-          <a:p>
-            <a:r>
-              <a:rPr kumimoji="1" lang="ja-JP" altLang="en-US" sz="2000" dirty="0"/>
-              <a:t>コンピュータ</a:t>
-            </a:r>
-            <a:endParaRPr kumimoji="1" lang="en-US" altLang="ja-JP" sz="2000" dirty="0"/>
-          </a:p>
-          <a:p>
-            <a:r>
-              <a:rPr kumimoji="1" lang="ja-JP" altLang="en-US" sz="2000" dirty="0"/>
-              <a:t>グラフィックス</a:t>
-            </a:r>
-          </a:p>
-        </p:txBody>
-      </p:sp>
-      <p:sp>
-        <p:nvSpPr>
-          <p:cNvPr id="10" name="テキスト ボックス 9">
-            <a:extLst>
-              <a:ext uri="{FF2B5EF4-FFF2-40B4-BE49-F238E27FC236}">
-                <a16:creationId xmlns:a16="http://schemas.microsoft.com/office/drawing/2014/main" id="{EEEE325B-8B30-4FE9-97C4-33C04D82913A}"/>
-              </a:ext>
-            </a:extLst>
-          </p:cNvPr>
-          <p:cNvSpPr txBox="1"/>
-          <p:nvPr/>
-        </p:nvSpPr>
-        <p:spPr>
-          <a:xfrm>
-            <a:off x="1200150" y="3498020"/>
-            <a:ext cx="3136900" cy="646331"/>
-          </a:xfrm>
-          <a:prstGeom prst="rect">
-            <a:avLst/>
-          </a:prstGeom>
-          <a:noFill/>
-        </p:spPr>
-        <p:txBody>
-          <a:bodyPr wrap="square" rtlCol="0">
-            <a:spAutoFit/>
-          </a:bodyPr>
-          <a:lstStyle/>
-          <a:p>
-            <a:r>
-              <a:rPr kumimoji="1" lang="ja-JP" altLang="en-US" dirty="0"/>
-              <a:t>画像や画像に含まれる物体を記述するための手段</a:t>
-            </a:r>
-          </a:p>
-        </p:txBody>
-      </p:sp>
-      <p:sp>
-        <p:nvSpPr>
-          <p:cNvPr id="11" name="テキスト ボックス 10">
-            <a:extLst>
-              <a:ext uri="{FF2B5EF4-FFF2-40B4-BE49-F238E27FC236}">
-                <a16:creationId xmlns:a16="http://schemas.microsoft.com/office/drawing/2014/main" id="{7A6FA580-77C4-4A6A-97D4-DB3395CAACDB}"/>
-              </a:ext>
-            </a:extLst>
-          </p:cNvPr>
-          <p:cNvSpPr txBox="1"/>
-          <p:nvPr/>
-        </p:nvSpPr>
-        <p:spPr>
-          <a:xfrm>
-            <a:off x="5270502" y="3679398"/>
-            <a:ext cx="2933698" cy="646331"/>
-          </a:xfrm>
-          <a:prstGeom prst="rect">
-            <a:avLst/>
-          </a:prstGeom>
-          <a:noFill/>
-        </p:spPr>
-        <p:txBody>
-          <a:bodyPr wrap="square" rtlCol="0">
-            <a:spAutoFit/>
-          </a:bodyPr>
-          <a:lstStyle/>
-          <a:p>
-            <a:r>
-              <a:rPr kumimoji="1" lang="ja-JP" altLang="en-US" dirty="0"/>
-              <a:t>物体の形状や配置などの情報から画像を作り出す</a:t>
-            </a:r>
-          </a:p>
-        </p:txBody>
-      </p:sp>
-      <p:sp>
-        <p:nvSpPr>
-          <p:cNvPr id="12" name="テキスト ボックス 11">
-            <a:extLst>
-              <a:ext uri="{FF2B5EF4-FFF2-40B4-BE49-F238E27FC236}">
-                <a16:creationId xmlns:a16="http://schemas.microsoft.com/office/drawing/2014/main" id="{148E3FF0-0C51-47A1-8514-3090E717664A}"/>
-              </a:ext>
-            </a:extLst>
-          </p:cNvPr>
-          <p:cNvSpPr txBox="1"/>
-          <p:nvPr/>
-        </p:nvSpPr>
-        <p:spPr>
-          <a:xfrm>
-            <a:off x="1200150" y="4283188"/>
-            <a:ext cx="3136900" cy="923330"/>
-          </a:xfrm>
-          <a:prstGeom prst="rect">
-            <a:avLst/>
-          </a:prstGeom>
-          <a:noFill/>
-        </p:spPr>
-        <p:txBody>
-          <a:bodyPr wrap="square" rtlCol="0">
-            <a:spAutoFit/>
-          </a:bodyPr>
-          <a:lstStyle/>
-          <a:p>
-            <a:r>
-              <a:rPr kumimoji="1" lang="ja-JP" altLang="en-US" dirty="0">
-                <a:solidFill>
-                  <a:srgbClr val="FF6600"/>
-                </a:solidFill>
-              </a:rPr>
-              <a:t>符号化</a:t>
-            </a:r>
-            <a:endParaRPr kumimoji="1" lang="en-US" altLang="ja-JP" dirty="0">
-              <a:solidFill>
-                <a:srgbClr val="FF6600"/>
-              </a:solidFill>
-            </a:endParaRPr>
-          </a:p>
-          <a:p>
-            <a:r>
-              <a:rPr kumimoji="1" lang="ja-JP" altLang="en-US" dirty="0"/>
-              <a:t>与えられた画像を表す別の信号に変換すること</a:t>
-            </a:r>
-          </a:p>
-        </p:txBody>
-      </p:sp>
-    </p:spTree>
-    <p:extLst>
-      <p:ext uri="{BB962C8B-B14F-4D97-AF65-F5344CB8AC3E}">
-        <p14:creationId xmlns:p14="http://schemas.microsoft.com/office/powerpoint/2010/main" val="275798628"/>
       </p:ext>
     </p:extLst>
   </p:cSld>
